--- a/Lythuyet/MonteCarlo.pptx
+++ b/Lythuyet/MonteCarlo.pptx
@@ -9,6 +9,7 @@
     <p:sldId id="261" r:id="rId3"/>
     <p:sldId id="256" r:id="rId4"/>
     <p:sldId id="258" r:id="rId5"/>
+    <p:sldId id="262" r:id="rId6"/>
   </p:sldIdLst>
   <p:sldSz cx="12192000" cy="6858000"/>
   <p:notesSz cx="6858000" cy="9144000"/>
@@ -107,6 +108,11 @@
       </a:defRPr>
     </a:lvl9pPr>
   </p:defaultTextStyle>
+  <p:extLst>
+    <p:ext uri="{EFAFB233-063F-42B5-8137-9DF3F51BA10A}">
+      <p15:sldGuideLst xmlns:p15="http://schemas.microsoft.com/office/powerpoint/2012/main"/>
+    </p:ext>
+  </p:extLst>
 </p:presentation>
 </file>
 
@@ -3744,28 +3750,32 @@
               <a:t> </a:t>
             </a:r>
             <a:r>
-              <a:rPr lang="en-US" dirty="0" err="1"/>
+              <a:rPr lang="en-US" b="1" dirty="0" err="1"/>
               <a:t>mẫu</a:t>
             </a:r>
             <a:r>
+              <a:rPr lang="en-US" b="1" dirty="0"/>
+              <a:t> </a:t>
+            </a:r>
+            <a:r>
+              <a:rPr lang="en-US" b="1" dirty="0" err="1"/>
+              <a:t>ngẫu</a:t>
+            </a:r>
+            <a:r>
+              <a:rPr lang="en-US" b="1" dirty="0"/>
+              <a:t> </a:t>
+            </a:r>
+            <a:r>
+              <a:rPr lang="en-US" b="1" dirty="0" err="1"/>
+              <a:t>nhiên</a:t>
+            </a:r>
+            <a:r>
+              <a:rPr lang="en-US" b="1" dirty="0"/>
+              <a:t> </a:t>
+            </a:r>
+            <a:r>
               <a:rPr lang="en-US" dirty="0"/>
-              <a:t> </a:t>
-            </a:r>
-            <a:r>
-              <a:rPr lang="en-US" dirty="0" err="1"/>
-              <a:t>ngẫu</a:t>
-            </a:r>
-            <a:r>
-              <a:rPr lang="en-US" dirty="0"/>
-              <a:t> </a:t>
-            </a:r>
-            <a:r>
-              <a:rPr lang="en-US" dirty="0" err="1"/>
-              <a:t>nhiên</a:t>
-            </a:r>
-            <a:r>
-              <a:rPr lang="en-US" dirty="0"/>
-              <a:t> (</a:t>
+              <a:t>(</a:t>
             </a:r>
             <a:r>
               <a:rPr lang="en-US" dirty="0" err="1"/>
@@ -4498,8 +4508,8 @@
           </a:effectLst>
         </p:spPr>
       </p:pic>
-      <mc:AlternateContent xmlns:mc="http://schemas.openxmlformats.org/markup-compatibility/2006">
-        <mc:Choice xmlns:a14="http://schemas.microsoft.com/office/drawing/2010/main" Requires="a14">
+      <mc:AlternateContent xmlns:mc="http://schemas.openxmlformats.org/markup-compatibility/2006" xmlns:a14="http://schemas.microsoft.com/office/drawing/2010/main">
+        <mc:Choice Requires="a14">
           <p:sp>
             <p:nvSpPr>
               <p:cNvPr id="10" name="Content Placeholder 8">
@@ -4737,7 +4747,7 @@
             </p:txBody>
           </p:sp>
         </mc:Choice>
-        <mc:Fallback>
+        <mc:Fallback xmlns="">
           <p:sp>
             <p:nvSpPr>
               <p:cNvPr id="10" name="Content Placeholder 8">
@@ -5121,38 +5131,6 @@
           </a:p>
         </p:txBody>
       </p:sp>
-      <p:pic>
-        <p:nvPicPr>
-          <p:cNvPr id="6" name="Content Placeholder 5">
-            <a:extLst>
-              <a:ext uri="{FF2B5EF4-FFF2-40B4-BE49-F238E27FC236}">
-                <a16:creationId xmlns:a16="http://schemas.microsoft.com/office/drawing/2014/main" id="{95028A72-CB1A-41C5-8E51-08398009B57B}"/>
-              </a:ext>
-            </a:extLst>
-          </p:cNvPr>
-          <p:cNvPicPr>
-            <a:picLocks noGrp="1" noChangeAspect="1"/>
-          </p:cNvPicPr>
-          <p:nvPr>
-            <p:ph sz="half" idx="2"/>
-          </p:nvPr>
-        </p:nvPicPr>
-        <p:blipFill>
-          <a:blip r:embed="rId2"/>
-          <a:stretch>
-            <a:fillRect/>
-          </a:stretch>
-        </p:blipFill>
-        <p:spPr>
-          <a:xfrm>
-            <a:off x="1312863" y="2785269"/>
-            <a:ext cx="3181350" cy="2667000"/>
-          </a:xfrm>
-          <a:prstGeom prst="rect">
-            <a:avLst/>
-          </a:prstGeom>
-        </p:spPr>
-      </p:pic>
       <p:sp>
         <p:nvSpPr>
           <p:cNvPr id="8" name="Text Placeholder 7">
@@ -5178,8 +5156,8 @@
           </a:p>
         </p:txBody>
       </p:sp>
-      <mc:AlternateContent xmlns:mc="http://schemas.openxmlformats.org/markup-compatibility/2006">
-        <mc:Choice xmlns:a14="http://schemas.microsoft.com/office/drawing/2010/main" Requires="a14">
+      <mc:AlternateContent xmlns:mc="http://schemas.openxmlformats.org/markup-compatibility/2006" xmlns:a14="http://schemas.microsoft.com/office/drawing/2010/main">
+        <mc:Choice Requires="a14">
           <p:sp>
             <p:nvSpPr>
               <p:cNvPr id="9" name="Content Placeholder 8">
@@ -5412,7 +5390,7 @@
             </p:txBody>
           </p:sp>
         </mc:Choice>
-        <mc:Fallback>
+        <mc:Fallback xmlns="">
           <p:sp>
             <p:nvSpPr>
               <p:cNvPr id="9" name="Content Placeholder 8">
@@ -5452,6 +5430,61 @@
           </p:sp>
         </mc:Fallback>
       </mc:AlternateContent>
+      <p:sp>
+        <p:nvSpPr>
+          <p:cNvPr id="3" name="Content Placeholder 2">
+            <a:extLst>
+              <a:ext uri="{FF2B5EF4-FFF2-40B4-BE49-F238E27FC236}">
+                <a16:creationId xmlns:a16="http://schemas.microsoft.com/office/drawing/2014/main" id="{A4A0A1F0-543E-46EF-8641-A47480214CA5}"/>
+              </a:ext>
+            </a:extLst>
+          </p:cNvPr>
+          <p:cNvSpPr>
+            <a:spLocks noGrp="1"/>
+          </p:cNvSpPr>
+          <p:nvPr>
+            <p:ph sz="half" idx="2"/>
+          </p:nvPr>
+        </p:nvSpPr>
+        <p:spPr/>
+        <p:txBody>
+          <a:bodyPr/>
+          <a:lstStyle/>
+          <a:p>
+            <a:endParaRPr lang="en-US"/>
+          </a:p>
+        </p:txBody>
+      </p:sp>
+      <p:pic>
+        <p:nvPicPr>
+          <p:cNvPr id="5" name="Picture 4">
+            <a:extLst>
+              <a:ext uri="{FF2B5EF4-FFF2-40B4-BE49-F238E27FC236}">
+                <a16:creationId xmlns:a16="http://schemas.microsoft.com/office/drawing/2014/main" id="{3AB82E22-03D9-4BFE-B535-076DC5218BAA}"/>
+              </a:ext>
+            </a:extLst>
+          </p:cNvPr>
+          <p:cNvPicPr>
+            <a:picLocks noChangeAspect="1"/>
+          </p:cNvPicPr>
+          <p:nvPr/>
+        </p:nvPicPr>
+        <p:blipFill>
+          <a:blip r:embed="rId4"/>
+          <a:stretch>
+            <a:fillRect/>
+          </a:stretch>
+        </p:blipFill>
+        <p:spPr>
+          <a:xfrm>
+            <a:off x="1424396" y="2904172"/>
+            <a:ext cx="2628900" cy="2695575"/>
+          </a:xfrm>
+          <a:prstGeom prst="rect">
+            <a:avLst/>
+          </a:prstGeom>
+        </p:spPr>
+      </p:pic>
     </p:spTree>
     <p:extLst>
       <p:ext uri="{BB962C8B-B14F-4D97-AF65-F5344CB8AC3E}">
@@ -5748,78 +5781,512 @@
           <a:lstStyle/>
           <a:p>
             <a:r>
-              <a:rPr lang="vi-VN" sz="2400">
+              <a:rPr lang="vi-VN" sz="2400" dirty="0">
                 <a:solidFill>
                   <a:srgbClr val="000000"/>
                 </a:solidFill>
+                <a:latin typeface="Times New Roman "/>
               </a:rPr>
               <a:t>Vì lý do này, đối với các tích phân phức tạp</a:t>
             </a:r>
             <a:r>
-              <a:rPr lang="en-US" sz="2400">
+              <a:rPr lang="en-US" sz="2400" dirty="0">
                 <a:solidFill>
                   <a:srgbClr val="000000"/>
                 </a:solidFill>
+                <a:latin typeface="Times New Roman "/>
               </a:rPr>
-              <a:t> (nhiều chiều, tích phân không xác định, … ) thì ph</a:t>
-            </a:r>
-            <a:r>
-              <a:rPr lang="vi-VN" sz="2400">
+              <a:t> (</a:t>
+            </a:r>
+            <a:r>
+              <a:rPr lang="en-US" sz="2400" dirty="0" err="1">
                 <a:solidFill>
                   <a:srgbClr val="000000"/>
                 </a:solidFill>
+                <a:latin typeface="Times New Roman "/>
               </a:rPr>
-              <a:t>ư</a:t>
-            </a:r>
-            <a:r>
-              <a:rPr lang="en-US" sz="2400">
+              <a:t>nhiều</a:t>
+            </a:r>
+            <a:r>
+              <a:rPr lang="en-US" sz="2400" dirty="0">
                 <a:solidFill>
                   <a:srgbClr val="000000"/>
                 </a:solidFill>
+                <a:latin typeface="Times New Roman "/>
               </a:rPr>
-              <a:t>ơng pháp MC </a:t>
-            </a:r>
-            <a:r>
-              <a:rPr lang="vi-VN" sz="2400">
+              <a:t> </a:t>
+            </a:r>
+            <a:r>
+              <a:rPr lang="en-US" sz="2400" dirty="0" err="1">
                 <a:solidFill>
                   <a:srgbClr val="000000"/>
                 </a:solidFill>
+                <a:latin typeface="Times New Roman "/>
               </a:rPr>
-              <a:t>nói chung là một giải pháp tốt hơn (mặc dù tốc độ hội tụ </a:t>
-            </a:r>
-            <a:r>
-              <a:rPr lang="en-US" sz="2400">
+              <a:t>chiều</a:t>
+            </a:r>
+            <a:r>
+              <a:rPr lang="en-US" sz="2400" dirty="0">
                 <a:solidFill>
                   <a:srgbClr val="000000"/>
                 </a:solidFill>
+                <a:latin typeface="Times New Roman "/>
               </a:rPr>
-              <a:t>của chúng </a:t>
-            </a:r>
-            <a:r>
-              <a:rPr lang="vi-VN" sz="2400">
+              <a:t>, </a:t>
+            </a:r>
+            <a:r>
+              <a:rPr lang="en-US" sz="2400" dirty="0" err="1">
                 <a:solidFill>
                   <a:srgbClr val="000000"/>
                 </a:solidFill>
+                <a:latin typeface="Times New Roman "/>
               </a:rPr>
-              <a:t>khá tệ</a:t>
-            </a:r>
-            <a:r>
-              <a:rPr lang="en-US" sz="2400">
+              <a:t>tích</a:t>
+            </a:r>
+            <a:r>
+              <a:rPr lang="en-US" sz="2400" dirty="0">
                 <a:solidFill>
                   <a:srgbClr val="000000"/>
                 </a:solidFill>
+                <a:latin typeface="Times New Roman "/>
               </a:rPr>
-              <a:t>)</a:t>
-            </a:r>
-            <a:r>
-              <a:rPr lang="vi-VN" sz="2400">
+              <a:t> </a:t>
+            </a:r>
+            <a:r>
+              <a:rPr lang="en-US" sz="2400" dirty="0" err="1">
                 <a:solidFill>
                   <a:srgbClr val="000000"/>
                 </a:solidFill>
+                <a:latin typeface="Times New Roman "/>
+              </a:rPr>
+              <a:t>phân</a:t>
+            </a:r>
+            <a:r>
+              <a:rPr lang="en-US" sz="2400" dirty="0">
+                <a:solidFill>
+                  <a:srgbClr val="000000"/>
+                </a:solidFill>
+                <a:latin typeface="Times New Roman "/>
+              </a:rPr>
+              <a:t> </a:t>
+            </a:r>
+            <a:r>
+              <a:rPr lang="en-US" sz="2400" dirty="0" err="1">
+                <a:solidFill>
+                  <a:srgbClr val="000000"/>
+                </a:solidFill>
+                <a:latin typeface="Times New Roman "/>
+              </a:rPr>
+              <a:t>không</a:t>
+            </a:r>
+            <a:r>
+              <a:rPr lang="en-US" sz="2400" dirty="0">
+                <a:solidFill>
+                  <a:srgbClr val="000000"/>
+                </a:solidFill>
+                <a:latin typeface="Times New Roman "/>
+              </a:rPr>
+              <a:t> </a:t>
+            </a:r>
+            <a:r>
+              <a:rPr lang="en-US" sz="2400" dirty="0" err="1">
+                <a:solidFill>
+                  <a:srgbClr val="000000"/>
+                </a:solidFill>
+                <a:latin typeface="Times New Roman "/>
+              </a:rPr>
+              <a:t>xác</a:t>
+            </a:r>
+            <a:r>
+              <a:rPr lang="en-US" sz="2400" dirty="0">
+                <a:solidFill>
+                  <a:srgbClr val="000000"/>
+                </a:solidFill>
+                <a:latin typeface="Times New Roman "/>
+              </a:rPr>
+              <a:t> </a:t>
+            </a:r>
+            <a:r>
+              <a:rPr lang="en-US" sz="2400" dirty="0" err="1">
+                <a:solidFill>
+                  <a:srgbClr val="000000"/>
+                </a:solidFill>
+                <a:latin typeface="Times New Roman "/>
+              </a:rPr>
+              <a:t>định</a:t>
+            </a:r>
+            <a:r>
+              <a:rPr lang="en-US" sz="2400" dirty="0">
+                <a:solidFill>
+                  <a:srgbClr val="000000"/>
+                </a:solidFill>
+                <a:latin typeface="Times New Roman "/>
+              </a:rPr>
+              <a:t>, … ) </a:t>
+            </a:r>
+            <a:r>
+              <a:rPr lang="en-US" sz="2400" dirty="0" err="1">
+                <a:solidFill>
+                  <a:srgbClr val="000000"/>
+                </a:solidFill>
+                <a:latin typeface="Times New Roman "/>
+              </a:rPr>
+              <a:t>thì</a:t>
+            </a:r>
+            <a:r>
+              <a:rPr lang="en-US" sz="2400" dirty="0">
+                <a:solidFill>
+                  <a:srgbClr val="000000"/>
+                </a:solidFill>
+                <a:latin typeface="Times New Roman "/>
+              </a:rPr>
+              <a:t> </a:t>
+            </a:r>
+            <a:r>
+              <a:rPr lang="en-US" sz="2400" dirty="0" err="1">
+                <a:solidFill>
+                  <a:srgbClr val="000000"/>
+                </a:solidFill>
+                <a:latin typeface="Times New Roman "/>
+              </a:rPr>
+              <a:t>ph</a:t>
+            </a:r>
+            <a:r>
+              <a:rPr lang="vi-VN" sz="2400" dirty="0">
+                <a:solidFill>
+                  <a:srgbClr val="000000"/>
+                </a:solidFill>
+                <a:latin typeface="Times New Roman "/>
+              </a:rPr>
+              <a:t>ư</a:t>
+            </a:r>
+            <a:r>
+              <a:rPr lang="en-US" sz="2400" dirty="0" err="1">
+                <a:solidFill>
+                  <a:srgbClr val="000000"/>
+                </a:solidFill>
+                <a:latin typeface="Times New Roman "/>
+              </a:rPr>
+              <a:t>ơng</a:t>
+            </a:r>
+            <a:r>
+              <a:rPr lang="en-US" sz="2400" dirty="0">
+                <a:solidFill>
+                  <a:srgbClr val="000000"/>
+                </a:solidFill>
+                <a:latin typeface="Times New Roman "/>
+              </a:rPr>
+              <a:t> </a:t>
+            </a:r>
+            <a:r>
+              <a:rPr lang="en-US" sz="2400" dirty="0" err="1">
+                <a:solidFill>
+                  <a:srgbClr val="000000"/>
+                </a:solidFill>
+                <a:latin typeface="Times New Roman "/>
+              </a:rPr>
+              <a:t>pháp</a:t>
+            </a:r>
+            <a:r>
+              <a:rPr lang="en-US" sz="2400" dirty="0">
+                <a:solidFill>
+                  <a:srgbClr val="000000"/>
+                </a:solidFill>
+                <a:latin typeface="Times New Roman "/>
+              </a:rPr>
+              <a:t> MC </a:t>
+            </a:r>
+            <a:r>
+              <a:rPr lang="vi-VN" sz="2400" dirty="0">
+                <a:solidFill>
+                  <a:srgbClr val="000000"/>
+                </a:solidFill>
+                <a:latin typeface="Times New Roman "/>
+              </a:rPr>
+              <a:t>nói chung là một giải pháp tốt hơn (mặc dù tốc độ hội tụ</a:t>
+            </a:r>
+            <a:r>
+              <a:rPr lang="en-US" sz="2400" dirty="0">
+                <a:solidFill>
+                  <a:srgbClr val="000000"/>
+                </a:solidFill>
+                <a:latin typeface="Times New Roman "/>
+              </a:rPr>
+              <a:t> </a:t>
+            </a:r>
+            <a:r>
+              <a:rPr lang="vi-VN" sz="2400" dirty="0">
+                <a:solidFill>
+                  <a:srgbClr val="000000"/>
+                </a:solidFill>
+                <a:latin typeface="Times New Roman "/>
+              </a:rPr>
+              <a:t>khá tệ</a:t>
+            </a:r>
+            <a:r>
+              <a:rPr lang="en-US" sz="2400" dirty="0">
+                <a:solidFill>
+                  <a:srgbClr val="000000"/>
+                </a:solidFill>
+                <a:latin typeface="Times New Roman "/>
+              </a:rPr>
+              <a:t>)</a:t>
+            </a:r>
+            <a:r>
+              <a:rPr lang="vi-VN" sz="2400" dirty="0">
+                <a:solidFill>
+                  <a:srgbClr val="000000"/>
+                </a:solidFill>
+                <a:latin typeface="Times New Roman "/>
               </a:rPr>
               <a:t>.</a:t>
             </a:r>
-            <a:endParaRPr lang="en-US" sz="2400">
+            <a:endParaRPr lang="en-US" sz="2400" dirty="0">
+              <a:solidFill>
+                <a:srgbClr val="000000"/>
+              </a:solidFill>
+              <a:latin typeface="Times New Roman "/>
+            </a:endParaRPr>
+          </a:p>
+        </p:txBody>
+      </p:sp>
+    </p:spTree>
+    <p:extLst>
+      <p:ext uri="{BB962C8B-B14F-4D97-AF65-F5344CB8AC3E}">
+        <p14:creationId xmlns:p14="http://schemas.microsoft.com/office/powerpoint/2010/main" val="1267911120"/>
+      </p:ext>
+    </p:extLst>
+  </p:cSld>
+  <p:clrMapOvr>
+    <a:masterClrMapping/>
+  </p:clrMapOvr>
+</p:sld>
+</file>
+
+<file path=ppt/slides/slide5.xml><?xml version="1.0" encoding="utf-8"?>
+<p:sld xmlns:a="http://schemas.openxmlformats.org/drawingml/2006/main" xmlns:r="http://schemas.openxmlformats.org/officeDocument/2006/relationships" xmlns:p="http://schemas.openxmlformats.org/presentationml/2006/main">
+  <p:cSld>
+    <p:bg>
+      <p:bgPr>
+        <a:solidFill>
+          <a:schemeClr val="bg1"/>
+        </a:solidFill>
+        <a:effectLst/>
+      </p:bgPr>
+    </p:bg>
+    <p:spTree>
+      <p:nvGrpSpPr>
+        <p:cNvPr id="1" name=""/>
+        <p:cNvGrpSpPr/>
+        <p:nvPr/>
+      </p:nvGrpSpPr>
+      <p:grpSpPr>
+        <a:xfrm>
+          <a:off x="0" y="0"/>
+          <a:ext cx="0" cy="0"/>
+          <a:chOff x="0" y="0"/>
+          <a:chExt cx="0" cy="0"/>
+        </a:xfrm>
+      </p:grpSpPr>
+      <p:sp>
+        <p:nvSpPr>
+          <p:cNvPr id="8" name="Rectangle 7">
+            <a:extLst>
+              <a:ext uri="{FF2B5EF4-FFF2-40B4-BE49-F238E27FC236}">
+                <a16:creationId xmlns:a16="http://schemas.microsoft.com/office/drawing/2014/main" id="{4351DFE5-F63D-4BE0-BDA9-E3EB88F01AA5}"/>
+              </a:ext>
+              <a:ext uri="{C183D7F6-B498-43B3-948B-1728B52AA6E4}">
+                <adec:decorative xmlns:adec="http://schemas.microsoft.com/office/drawing/2017/decorative" val="1"/>
+              </a:ext>
+            </a:extLst>
+          </p:cNvPr>
+          <p:cNvSpPr>
+            <a:spLocks noGrp="1" noRot="1" noChangeAspect="1" noMove="1" noResize="1" noEditPoints="1" noAdjustHandles="1" noChangeArrowheads="1" noChangeShapeType="1" noTextEdit="1"/>
+          </p:cNvSpPr>
+          <p:nvPr>
+            <p:extLst>
+              <p:ext uri="{386F3935-93C4-4BCD-93E2-E3B085C9AB24}">
+                <p16:designElem xmlns:p16="http://schemas.microsoft.com/office/powerpoint/2015/main" val="1"/>
+              </p:ext>
+            </p:extLst>
+          </p:nvPr>
+        </p:nvSpPr>
+        <p:spPr>
+          <a:xfrm>
+            <a:off x="355601" y="0"/>
+            <a:ext cx="11480494" cy="2753936"/>
+          </a:xfrm>
+          <a:prstGeom prst="rect">
+            <a:avLst/>
+          </a:prstGeom>
+          <a:gradFill>
+            <a:gsLst>
+              <a:gs pos="0">
+                <a:schemeClr val="accent1">
+                  <a:lumMod val="90000"/>
+                </a:schemeClr>
+              </a:gs>
+              <a:gs pos="25000">
+                <a:schemeClr val="accent1">
+                  <a:lumMod val="90000"/>
+                </a:schemeClr>
+              </a:gs>
+              <a:gs pos="94000">
+                <a:schemeClr val="bg2">
+                  <a:lumMod val="25000"/>
+                </a:schemeClr>
+              </a:gs>
+              <a:gs pos="100000">
+                <a:schemeClr val="bg2">
+                  <a:lumMod val="25000"/>
+                </a:schemeClr>
+              </a:gs>
+            </a:gsLst>
+            <a:lin ang="4200000" scaled="0"/>
+          </a:gradFill>
+          <a:ln>
+            <a:noFill/>
+          </a:ln>
+        </p:spPr>
+        <p:style>
+          <a:lnRef idx="2">
+            <a:schemeClr val="accent1">
+              <a:shade val="50000"/>
+            </a:schemeClr>
+          </a:lnRef>
+          <a:fillRef idx="1">
+            <a:schemeClr val="accent1"/>
+          </a:fillRef>
+          <a:effectRef idx="0">
+            <a:schemeClr val="accent1"/>
+          </a:effectRef>
+          <a:fontRef idx="minor">
+            <a:schemeClr val="lt1"/>
+          </a:fontRef>
+        </p:style>
+        <p:txBody>
+          <a:bodyPr rtlCol="0" anchor="ctr"/>
+          <a:lstStyle/>
+          <a:p>
+            <a:pPr algn="ctr"/>
+            <a:endParaRPr lang="en-US"/>
+          </a:p>
+        </p:txBody>
+      </p:sp>
+      <p:pic>
+        <p:nvPicPr>
+          <p:cNvPr id="10" name="Picture 9">
+            <a:extLst>
+              <a:ext uri="{FF2B5EF4-FFF2-40B4-BE49-F238E27FC236}">
+                <a16:creationId xmlns:a16="http://schemas.microsoft.com/office/drawing/2014/main" id="{3AA16612-ACD2-4A16-8F2B-4514FD6BF28F}"/>
+              </a:ext>
+              <a:ext uri="{C183D7F6-B498-43B3-948B-1728B52AA6E4}">
+                <adec:decorative xmlns:adec="http://schemas.microsoft.com/office/drawing/2017/decorative" val="1"/>
+              </a:ext>
+            </a:extLst>
+          </p:cNvPr>
+          <p:cNvPicPr>
+            <a:picLocks noGrp="1" noRot="1" noChangeAspect="1" noMove="1" noResize="1" noEditPoints="1" noAdjustHandles="1" noChangeArrowheads="1" noChangeShapeType="1" noCrop="1"/>
+          </p:cNvPicPr>
+          <p:nvPr>
+            <p:extLst>
+              <p:ext uri="{386F3935-93C4-4BCD-93E2-E3B085C9AB24}">
+                <p16:designElem xmlns:p16="http://schemas.microsoft.com/office/powerpoint/2015/main" val="1"/>
+              </p:ext>
+            </p:extLst>
+          </p:nvPr>
+        </p:nvPicPr>
+        <p:blipFill>
+          <a:blip r:embed="rId2">
+            <a:extLst>
+              <a:ext uri="{28A0092B-C50C-407E-A947-70E740481C1C}">
+                <a14:useLocalDpi xmlns:a14="http://schemas.microsoft.com/office/drawing/2010/main" val="0"/>
+              </a:ext>
+            </a:extLst>
+          </a:blip>
+          <a:stretch>
+            <a:fillRect/>
+          </a:stretch>
+        </p:blipFill>
+        <p:spPr>
+          <a:xfrm>
+            <a:off x="0" y="0"/>
+            <a:ext cx="12192000" cy="6858000"/>
+          </a:xfrm>
+          <a:prstGeom prst="rect">
+            <a:avLst/>
+          </a:prstGeom>
+        </p:spPr>
+      </p:pic>
+      <p:sp>
+        <p:nvSpPr>
+          <p:cNvPr id="2" name="Title 1">
+            <a:extLst>
+              <a:ext uri="{FF2B5EF4-FFF2-40B4-BE49-F238E27FC236}">
+                <a16:creationId xmlns:a16="http://schemas.microsoft.com/office/drawing/2014/main" id="{7A929DB9-DD5B-48FA-965F-2E1CF9C396BC}"/>
+              </a:ext>
+            </a:extLst>
+          </p:cNvPr>
+          <p:cNvSpPr>
+            <a:spLocks noGrp="1"/>
+          </p:cNvSpPr>
+          <p:nvPr>
+            <p:ph type="title"/>
+          </p:nvPr>
+        </p:nvSpPr>
+        <p:spPr>
+          <a:xfrm>
+            <a:off x="1179226" y="826680"/>
+            <a:ext cx="9833548" cy="1325563"/>
+          </a:xfrm>
+        </p:spPr>
+        <p:txBody>
+          <a:bodyPr>
+            <a:normAutofit/>
+          </a:bodyPr>
+          <a:lstStyle/>
+          <a:p>
+            <a:pPr algn="ctr"/>
+            <a:r>
+              <a:rPr lang="en-US" sz="4000">
+                <a:solidFill>
+                  <a:srgbClr val="FFFFFF"/>
+                </a:solidFill>
+              </a:rPr>
+              <a:t>Thuật toán tạo số giả ngẫu nhiên</a:t>
+            </a:r>
+          </a:p>
+        </p:txBody>
+      </p:sp>
+      <p:sp>
+        <p:nvSpPr>
+          <p:cNvPr id="3" name="Content Placeholder 2">
+            <a:extLst>
+              <a:ext uri="{FF2B5EF4-FFF2-40B4-BE49-F238E27FC236}">
+                <a16:creationId xmlns:a16="http://schemas.microsoft.com/office/drawing/2014/main" id="{3D2B16BD-95EC-477B-80C8-C43CEA825989}"/>
+              </a:ext>
+            </a:extLst>
+          </p:cNvPr>
+          <p:cNvSpPr>
+            <a:spLocks noGrp="1"/>
+          </p:cNvSpPr>
+          <p:nvPr>
+            <p:ph idx="1"/>
+          </p:nvPr>
+        </p:nvSpPr>
+        <p:spPr>
+          <a:xfrm>
+            <a:off x="1179226" y="3092970"/>
+            <a:ext cx="9833548" cy="2693976"/>
+          </a:xfrm>
+        </p:spPr>
+        <p:txBody>
+          <a:bodyPr>
+            <a:normAutofit/>
+          </a:bodyPr>
+          <a:lstStyle/>
+          <a:p>
+            <a:endParaRPr lang="en-US" sz="2000" dirty="0">
               <a:solidFill>
                 <a:srgbClr val="000000"/>
               </a:solidFill>
@@ -5830,7 +6297,7 @@
     </p:spTree>
     <p:extLst>
       <p:ext uri="{BB962C8B-B14F-4D97-AF65-F5344CB8AC3E}">
-        <p14:creationId xmlns:p14="http://schemas.microsoft.com/office/powerpoint/2010/main" val="1267911120"/>
+        <p14:creationId xmlns:p14="http://schemas.microsoft.com/office/powerpoint/2010/main" val="1708760623"/>
       </p:ext>
     </p:extLst>
   </p:cSld>
